--- a/phy482poster.pptx
+++ b/phy482poster.pptx
@@ -14,14 +14,14 @@
   <p:notesSz cx="6858000" cy="9144000"/>
   <p:embeddedFontLst>
     <p:embeddedFont>
-      <p:font typeface="Calibri" panose="020F0502020204030204" pitchFamily="34" charset="0"/>
+      <p:font typeface="Helvetica Neue" panose="020B0604020202020204" charset="0"/>
       <p:regular r:id="rId4"/>
       <p:bold r:id="rId5"/>
       <p:italic r:id="rId6"/>
       <p:boldItalic r:id="rId7"/>
     </p:embeddedFont>
     <p:embeddedFont>
-      <p:font typeface="Helvetica Neue" panose="020B0604020202020204" charset="0"/>
+      <p:font typeface="Calibri" panose="020F0502020204030204" pitchFamily="34" charset="0"/>
       <p:regular r:id="rId8"/>
       <p:bold r:id="rId9"/>
       <p:italic r:id="rId10"/>
@@ -314,6 +314,10 @@
     </p:ext>
   </p:extLst>
 </p:presentation>
+</file>
+
+<file path=ppt/revisionInfo.xml><?xml version="1.0" encoding="utf-8"?>
+<p1510:revInfo xmlns:a="http://schemas.openxmlformats.org/drawingml/2006/main" xmlns:r="http://schemas.openxmlformats.org/officeDocument/2006/relationships" xmlns:p1510="http://schemas.microsoft.com/office/powerpoint/2015/10/main"/>
 </file>
 
 <file path=ppt/notesMasters/notesMaster1.xml><?xml version="1.0" encoding="utf-8"?>
@@ -16082,7 +16086,31 @@
                 <a:cs typeface="Helvetica Neue"/>
                 <a:sym typeface="Helvetica Neue"/>
               </a:rPr>
-              <a:t>article moving through uniform magnetic field, under effects of Lorentz force</a:t>
+              <a:t>article moving through uniform magnetic field, under </a:t>
+            </a:r>
+            <a:r>
+              <a:rPr lang="en-US" sz="3200" b="0" i="1" u="none" strike="noStrike" cap="none">
+                <a:solidFill>
+                  <a:schemeClr val="dk1"/>
+                </a:solidFill>
+                <a:latin typeface="Helvetica Neue"/>
+                <a:ea typeface="Helvetica Neue"/>
+                <a:cs typeface="Helvetica Neue"/>
+                <a:sym typeface="Helvetica Neue"/>
+              </a:rPr>
+              <a:t>effects of Lorentz </a:t>
+            </a:r>
+            <a:r>
+              <a:rPr lang="en-US" sz="3200" b="0" i="1" u="none" strike="noStrike" cap="none" dirty="0">
+                <a:solidFill>
+                  <a:schemeClr val="dk1"/>
+                </a:solidFill>
+                <a:latin typeface="Helvetica Neue"/>
+                <a:ea typeface="Helvetica Neue"/>
+                <a:cs typeface="Helvetica Neue"/>
+                <a:sym typeface="Helvetica Neue"/>
+              </a:rPr>
+              <a:t>force</a:t>
             </a:r>
             <a:endParaRPr sz="3200" i="1" dirty="0">
               <a:solidFill>
@@ -19152,8 +19180,8 @@
         </p:nvSpPr>
         <p:spPr>
           <a:xfrm>
-            <a:off x="22061101" y="26425950"/>
-            <a:ext cx="5695800" cy="1152300"/>
+            <a:off x="21831374" y="26425950"/>
+            <a:ext cx="6505239" cy="1152300"/>
           </a:xfrm>
           <a:prstGeom prst="rect">
             <a:avLst/>
@@ -19196,7 +19224,7 @@
                 <a:cs typeface="Helvetica Neue"/>
                 <a:sym typeface="Helvetica Neue"/>
               </a:rPr>
-              <a:t>Approximately sub-auroral latitude; “Slow” velocity</a:t>
+              <a:t>Approximately sub-auroral latitude “Slow” velocity</a:t>
             </a:r>
             <a:endParaRPr sz="3200" i="1" dirty="0">
               <a:solidFill>
@@ -19324,7 +19352,7 @@
         </p:nvSpPr>
         <p:spPr>
           <a:xfrm>
-            <a:off x="36690175" y="20547181"/>
+            <a:off x="36402862" y="20608137"/>
             <a:ext cx="5695800" cy="1213800"/>
           </a:xfrm>
           <a:prstGeom prst="rect">
@@ -19655,7 +19683,7 @@
                 <a:cs typeface="Helvetica Neue"/>
                 <a:sym typeface="Helvetica Neue"/>
               </a:rPr>
-              <a:t>At higher latitudes, the aurora is more oriented sideways and we could see that with more particles they would form a curtain shape</a:t>
+              <a:t>At higher latitudes, the aurora forms a curtain shape from many particles oriented sideways</a:t>
             </a:r>
             <a:endParaRPr sz="3200" dirty="0">
               <a:solidFill>
@@ -19753,7 +19781,7 @@
         </p:blipFill>
         <p:spPr>
           <a:xfrm>
-            <a:off x="28710124" y="21721682"/>
+            <a:off x="28732691" y="21750054"/>
             <a:ext cx="7107394" cy="4509521"/>
           </a:xfrm>
           <a:prstGeom prst="rect">
